--- a/Concept.pptx
+++ b/Concept.pptx
@@ -3340,8 +3340,8 @@
         </p:nvSpPr>
         <p:spPr>
           <a:xfrm>
-            <a:off x="2296313" y="715020"/>
-            <a:ext cx="385010" cy="385010"/>
+            <a:off x="2339181" y="872504"/>
+            <a:ext cx="288758" cy="288758"/>
           </a:xfrm>
           <a:prstGeom prst="ellipse">
             <a:avLst/>
@@ -3390,6 +3390,7 @@
             </a:extLst>
           </p:cNvPr>
           <p:cNvCxnSpPr>
+            <a:cxnSpLocks/>
             <a:stCxn id="4" idx="4"/>
             <a:endCxn id="4" idx="4"/>
           </p:cNvCxnSpPr>
@@ -3397,7 +3398,7 @@
         </p:nvCxnSpPr>
         <p:spPr>
           <a:xfrm>
-            <a:off x="2488818" y="1100030"/>
+            <a:off x="2483560" y="1161262"/>
             <a:ext cx="0" cy="0"/>
           </a:xfrm>
           <a:prstGeom prst="line">
@@ -3436,8 +3437,8 @@
         </p:nvCxnSpPr>
         <p:spPr>
           <a:xfrm>
-            <a:off x="2488818" y="1100030"/>
-            <a:ext cx="0" cy="639393"/>
+            <a:off x="2483560" y="1161262"/>
+            <a:ext cx="5257" cy="578161"/>
           </a:xfrm>
           <a:prstGeom prst="line">
             <a:avLst/>
@@ -3832,7 +3833,7 @@
         </p:nvGrpSpPr>
         <p:grpSpPr>
           <a:xfrm rot="16200000">
-            <a:off x="3109428" y="2778419"/>
+            <a:off x="3109428" y="3259681"/>
             <a:ext cx="907269" cy="579967"/>
             <a:chOff x="2072998" y="3841750"/>
             <a:chExt cx="907269" cy="579967"/>
@@ -4237,7 +4238,7 @@
         </p:nvGrpSpPr>
         <p:grpSpPr>
           <a:xfrm rot="16200000" flipV="1">
-            <a:off x="3629148" y="2747659"/>
+            <a:off x="3629148" y="3228921"/>
             <a:ext cx="907269" cy="579967"/>
             <a:chOff x="2072998" y="3841750"/>
             <a:chExt cx="907269" cy="579967"/>
@@ -4642,7 +4643,7 @@
         </p:nvSpPr>
         <p:spPr>
           <a:xfrm>
-            <a:off x="4518814" y="2410886"/>
+            <a:off x="4518814" y="2892148"/>
             <a:ext cx="1164160" cy="442383"/>
           </a:xfrm>
           <a:prstGeom prst="rect">
@@ -4701,7 +4702,7 @@
         </p:nvSpPr>
         <p:spPr>
           <a:xfrm>
-            <a:off x="4520928" y="2881250"/>
+            <a:off x="4520928" y="3362512"/>
             <a:ext cx="1164160" cy="684852"/>
           </a:xfrm>
           <a:prstGeom prst="rect">
@@ -4733,17 +4734,6 @@
         <p:txBody>
           <a:bodyPr rtlCol="0" anchor="ctr"/>
           <a:lstStyle/>
-          <a:p>
-            <a:pPr algn="ctr"/>
-            <a:r>
-              <a:rPr lang="en-US" sz="1400" dirty="0">
-                <a:solidFill>
-                  <a:schemeClr val="tx1"/>
-                </a:solidFill>
-              </a:rPr>
-              <a:t>Computer</a:t>
-            </a:r>
-          </a:p>
           <a:p>
             <a:pPr algn="ctr"/>
             <a:r>
@@ -5311,6 +5301,65 @@
           </a:p>
         </p:txBody>
       </p:sp>
+      <p:sp>
+        <p:nvSpPr>
+          <p:cNvPr id="2" name="Rectangle 1">
+            <a:extLst>
+              <a:ext uri="{FF2B5EF4-FFF2-40B4-BE49-F238E27FC236}">
+                <a16:creationId xmlns:a16="http://schemas.microsoft.com/office/drawing/2014/main" id="{52F5B2FC-7855-654C-42B4-612FF872E8CD}"/>
+              </a:ext>
+            </a:extLst>
+          </p:cNvPr>
+          <p:cNvSpPr/>
+          <p:nvPr/>
+        </p:nvSpPr>
+        <p:spPr>
+          <a:xfrm>
+            <a:off x="1906737" y="3657597"/>
+            <a:ext cx="1164160" cy="442384"/>
+          </a:xfrm>
+          <a:prstGeom prst="rect">
+            <a:avLst/>
+          </a:prstGeom>
+          <a:noFill/>
+          <a:ln>
+            <a:solidFill>
+              <a:schemeClr val="tx1"/>
+            </a:solidFill>
+          </a:ln>
+        </p:spPr>
+        <p:style>
+          <a:lnRef idx="2">
+            <a:schemeClr val="accent1">
+              <a:shade val="15000"/>
+            </a:schemeClr>
+          </a:lnRef>
+          <a:fillRef idx="1">
+            <a:schemeClr val="accent1"/>
+          </a:fillRef>
+          <a:effectRef idx="0">
+            <a:schemeClr val="accent1"/>
+          </a:effectRef>
+          <a:fontRef idx="minor">
+            <a:schemeClr val="lt1"/>
+          </a:fontRef>
+        </p:style>
+        <p:txBody>
+          <a:bodyPr rtlCol="0" anchor="ctr"/>
+          <a:lstStyle/>
+          <a:p>
+            <a:pPr algn="ctr"/>
+            <a:r>
+              <a:rPr lang="en-US" sz="1400" dirty="0">
+                <a:solidFill>
+                  <a:schemeClr val="tx1"/>
+                </a:solidFill>
+              </a:rPr>
+              <a:t>Battery</a:t>
+            </a:r>
+          </a:p>
+        </p:txBody>
+      </p:sp>
     </p:spTree>
     <p:extLst>
       <p:ext uri="{BB962C8B-B14F-4D97-AF65-F5344CB8AC3E}">
